--- a/replication/Results/burakozuer_18302382_replication_presentation.pptx
+++ b/replication/Results/burakozuer_18302382_replication_presentation.pptx
@@ -129,6 +129,127 @@
     </p:ext>
   </p:extLst>
 </p:presentation>
+</file>
+
+<file path=ppt/changesInfos/changesInfo1.xml><?xml version="1.0" encoding="utf-8"?>
+<pc:chgInfo xmlns:a="http://schemas.openxmlformats.org/drawingml/2006/main" xmlns:r="http://schemas.openxmlformats.org/officeDocument/2006/relationships" xmlns:ac="http://schemas.microsoft.com/office/drawing/2013/main/command" xmlns:pc="http://schemas.microsoft.com/office/powerpoint/2013/main/command">
+  <pc:docChgLst>
+    <pc:chgData name="Burak Ozuer" userId="27c8abed-e398-43e1-ba51-c7841f5bf6a6" providerId="ADAL" clId="{60E16B3F-4AB2-4A49-A41F-FEBAFB961910}"/>
+    <pc:docChg chg="undo custSel modSld">
+      <pc:chgData name="Burak Ozuer" userId="27c8abed-e398-43e1-ba51-c7841f5bf6a6" providerId="ADAL" clId="{60E16B3F-4AB2-4A49-A41F-FEBAFB961910}" dt="2024-04-11T11:19:42.368" v="106"/>
+      <pc:docMkLst>
+        <pc:docMk/>
+      </pc:docMkLst>
+      <pc:sldChg chg="modSp mod">
+        <pc:chgData name="Burak Ozuer" userId="27c8abed-e398-43e1-ba51-c7841f5bf6a6" providerId="ADAL" clId="{60E16B3F-4AB2-4A49-A41F-FEBAFB961910}" dt="2024-04-11T10:49:39.018" v="0" actId="20577"/>
+        <pc:sldMkLst>
+          <pc:docMk/>
+          <pc:sldMk cId="1329746698" sldId="283"/>
+        </pc:sldMkLst>
+        <pc:spChg chg="mod">
+          <ac:chgData name="Burak Ozuer" userId="27c8abed-e398-43e1-ba51-c7841f5bf6a6" providerId="ADAL" clId="{60E16B3F-4AB2-4A49-A41F-FEBAFB961910}" dt="2024-04-11T10:49:39.018" v="0" actId="20577"/>
+          <ac:spMkLst>
+            <pc:docMk/>
+            <pc:sldMk cId="1329746698" sldId="283"/>
+            <ac:spMk id="4" creationId="{D355C61F-C8F1-4977-8E1F-F16C0D9EA88C}"/>
+          </ac:spMkLst>
+        </pc:spChg>
+      </pc:sldChg>
+      <pc:sldChg chg="modSp mod">
+        <pc:chgData name="Burak Ozuer" userId="27c8abed-e398-43e1-ba51-c7841f5bf6a6" providerId="ADAL" clId="{60E16B3F-4AB2-4A49-A41F-FEBAFB961910}" dt="2024-04-11T11:16:46.745" v="64" actId="20577"/>
+        <pc:sldMkLst>
+          <pc:docMk/>
+          <pc:sldMk cId="3541634419" sldId="297"/>
+        </pc:sldMkLst>
+        <pc:spChg chg="mod">
+          <ac:chgData name="Burak Ozuer" userId="27c8abed-e398-43e1-ba51-c7841f5bf6a6" providerId="ADAL" clId="{60E16B3F-4AB2-4A49-A41F-FEBAFB961910}" dt="2024-04-11T11:16:46.745" v="64" actId="20577"/>
+          <ac:spMkLst>
+            <pc:docMk/>
+            <pc:sldMk cId="3541634419" sldId="297"/>
+            <ac:spMk id="2" creationId="{D34ABDE1-DBD6-EDC2-2C47-F4ACC519D2FC}"/>
+          </ac:spMkLst>
+        </pc:spChg>
+      </pc:sldChg>
+      <pc:sldChg chg="addSp modSp mod">
+        <pc:chgData name="Burak Ozuer" userId="27c8abed-e398-43e1-ba51-c7841f5bf6a6" providerId="ADAL" clId="{60E16B3F-4AB2-4A49-A41F-FEBAFB961910}" dt="2024-04-11T11:07:46.086" v="32" actId="1076"/>
+        <pc:sldMkLst>
+          <pc:docMk/>
+          <pc:sldMk cId="2219077706" sldId="298"/>
+        </pc:sldMkLst>
+        <pc:spChg chg="add mod">
+          <ac:chgData name="Burak Ozuer" userId="27c8abed-e398-43e1-ba51-c7841f5bf6a6" providerId="ADAL" clId="{60E16B3F-4AB2-4A49-A41F-FEBAFB961910}" dt="2024-04-11T11:07:40.610" v="31" actId="20577"/>
+          <ac:spMkLst>
+            <pc:docMk/>
+            <pc:sldMk cId="2219077706" sldId="298"/>
+            <ac:spMk id="7" creationId="{A7479111-7BB0-B656-5C25-AE65B7822C41}"/>
+          </ac:spMkLst>
+        </pc:spChg>
+        <pc:graphicFrameChg chg="mod modGraphic">
+          <ac:chgData name="Burak Ozuer" userId="27c8abed-e398-43e1-ba51-c7841f5bf6a6" providerId="ADAL" clId="{60E16B3F-4AB2-4A49-A41F-FEBAFB961910}" dt="2024-04-11T11:06:51.078" v="17" actId="14100"/>
+          <ac:graphicFrameMkLst>
+            <pc:docMk/>
+            <pc:sldMk cId="2219077706" sldId="298"/>
+            <ac:graphicFrameMk id="6" creationId="{2BDFFC81-B3A4-D18A-0C13-D4855D608836}"/>
+          </ac:graphicFrameMkLst>
+        </pc:graphicFrameChg>
+        <pc:picChg chg="add mod">
+          <ac:chgData name="Burak Ozuer" userId="27c8abed-e398-43e1-ba51-c7841f5bf6a6" providerId="ADAL" clId="{60E16B3F-4AB2-4A49-A41F-FEBAFB961910}" dt="2024-04-11T11:07:46.086" v="32" actId="1076"/>
+          <ac:picMkLst>
+            <pc:docMk/>
+            <pc:sldMk cId="2219077706" sldId="298"/>
+            <ac:picMk id="9" creationId="{61DE5FE1-4FB0-86DB-B5B8-71A525C5B6EF}"/>
+          </ac:picMkLst>
+        </pc:picChg>
+      </pc:sldChg>
+      <pc:sldChg chg="delSp modSp mod">
+        <pc:chgData name="Burak Ozuer" userId="27c8abed-e398-43e1-ba51-c7841f5bf6a6" providerId="ADAL" clId="{60E16B3F-4AB2-4A49-A41F-FEBAFB961910}" dt="2024-04-11T11:19:42.368" v="106"/>
+        <pc:sldMkLst>
+          <pc:docMk/>
+          <pc:sldMk cId="3753491964" sldId="300"/>
+        </pc:sldMkLst>
+        <pc:spChg chg="del mod">
+          <ac:chgData name="Burak Ozuer" userId="27c8abed-e398-43e1-ba51-c7841f5bf6a6" providerId="ADAL" clId="{60E16B3F-4AB2-4A49-A41F-FEBAFB961910}" dt="2024-04-11T11:17:04.941" v="66" actId="478"/>
+          <ac:spMkLst>
+            <pc:docMk/>
+            <pc:sldMk cId="3753491964" sldId="300"/>
+            <ac:spMk id="3" creationId="{7CA42D59-EAD6-4F95-84F1-32A30F057856}"/>
+          </ac:spMkLst>
+        </pc:spChg>
+        <pc:spChg chg="mod">
+          <ac:chgData name="Burak Ozuer" userId="27c8abed-e398-43e1-ba51-c7841f5bf6a6" providerId="ADAL" clId="{60E16B3F-4AB2-4A49-A41F-FEBAFB961910}" dt="2024-04-11T11:19:42.368" v="106"/>
+          <ac:spMkLst>
+            <pc:docMk/>
+            <pc:sldMk cId="3753491964" sldId="300"/>
+            <ac:spMk id="7" creationId="{26A87885-D672-4CF9-A78D-CFE98385B03A}"/>
+          </ac:spMkLst>
+        </pc:spChg>
+      </pc:sldChg>
+      <pc:sldChg chg="modSp mod">
+        <pc:chgData name="Burak Ozuer" userId="27c8abed-e398-43e1-ba51-c7841f5bf6a6" providerId="ADAL" clId="{60E16B3F-4AB2-4A49-A41F-FEBAFB961910}" dt="2024-04-11T11:17:30.708" v="96" actId="20577"/>
+        <pc:sldMkLst>
+          <pc:docMk/>
+          <pc:sldMk cId="1236016689" sldId="301"/>
+        </pc:sldMkLst>
+        <pc:spChg chg="mod">
+          <ac:chgData name="Burak Ozuer" userId="27c8abed-e398-43e1-ba51-c7841f5bf6a6" providerId="ADAL" clId="{60E16B3F-4AB2-4A49-A41F-FEBAFB961910}" dt="2024-04-11T11:17:30.708" v="96" actId="20577"/>
+          <ac:spMkLst>
+            <pc:docMk/>
+            <pc:sldMk cId="1236016689" sldId="301"/>
+            <ac:spMk id="3" creationId="{7CA42D59-EAD6-4F95-84F1-32A30F057856}"/>
+          </ac:spMkLst>
+        </pc:spChg>
+        <pc:spChg chg="mod">
+          <ac:chgData name="Burak Ozuer" userId="27c8abed-e398-43e1-ba51-c7841f5bf6a6" providerId="ADAL" clId="{60E16B3F-4AB2-4A49-A41F-FEBAFB961910}" dt="2024-04-11T11:08:12.309" v="38" actId="20577"/>
+          <ac:spMkLst>
+            <pc:docMk/>
+            <pc:sldMk cId="1236016689" sldId="301"/>
+            <ac:spMk id="7" creationId="{26A87885-D672-4CF9-A78D-CFE98385B03A}"/>
+          </ac:spMkLst>
+        </pc:spChg>
+      </pc:sldChg>
+    </pc:docChg>
+  </pc:docChgLst>
+</pc:chgInfo>
 </file>
 
 <file path=ppt/handoutMasters/handoutMaster1.xml><?xml version="1.0" encoding="utf-8"?>
@@ -8979,7 +9100,15 @@
           <a:p>
             <a:r>
               <a:rPr lang="en-GB" dirty="0"/>
-              <a:t>GLM Model: As an alternative analysis, I wanted to generate a logistic regression model to see #the impact of all the other variables on wanted the reduce internet use</a:t>
+              <a:t>GLM Model: As an alternative analysis, I wanted to generate a logistic regression model to see the impact of all the other variables on wanted the reduce internet use(YDQ and </a:t>
+            </a:r>
+            <a:r>
+              <a:rPr lang="en-GB" dirty="0" err="1"/>
+              <a:t>YDQ_bin</a:t>
+            </a:r>
+            <a:r>
+              <a:rPr lang="en-GB" dirty="0"/>
+              <a:t>)</a:t>
             </a:r>
           </a:p>
           <a:p>
@@ -9151,7 +9280,7 @@
             <a:pPr rtl="0"/>
             <a:r>
               <a:rPr lang="en-GB" sz="1400" dirty="0"/>
-              <a:t>As an alternative analysis, I wanted to generate a logistic regression model to see the impact of all the other variables on wanted the reduce internet use</a:t>
+              <a:t>As an alternative analysis, I wanted to generate a binary regression model to see the impact of all the other variables on wanted the reduce internet use</a:t>
             </a:r>
           </a:p>
           <a:p>
@@ -10021,7 +10150,7 @@
             </a:pPr>
             <a:r>
               <a:rPr lang="en-GB" sz="1600" dirty="0"/>
-              <a:t>Hypothesis 1: The desire to reduce internet use is associated with problematic internet use as measured by the Young Diagnostic Questionnaire (YDQ; Young, 1998). The so-called problematic internet users may be less likely to want to reduce internet use than nonproblematic internet users simply because they value internet use more. </a:t>
+              <a:t>Hypothesis : The desire to reduce internet use is associated with problematic internet use as measured by the Young Diagnostic Questionnaire (YDQ; Young, 1998). The so-called problematic internet users may be less likely to want to reduce internet use than nonproblematic internet users simply because they value internet use more. </a:t>
             </a:r>
           </a:p>
         </p:txBody>
@@ -11199,28 +11328,28 @@
           <p:nvPr>
             <p:extLst>
               <p:ext uri="{D42A27DB-BD31-4B8C-83A1-F6EECF244321}">
-                <p14:modId xmlns:p14="http://schemas.microsoft.com/office/powerpoint/2010/main" val="2856054573"/>
+                <p14:modId xmlns:p14="http://schemas.microsoft.com/office/powerpoint/2010/main" val="599568258"/>
               </p:ext>
             </p:extLst>
           </p:nvPr>
         </p:nvGraphicFramePr>
         <p:xfrm>
-          <a:off x="431801" y="1606185"/>
-          <a:ext cx="5381942" cy="4679960"/>
+          <a:off x="431800" y="1267517"/>
+          <a:ext cx="5108787" cy="5329694"/>
         </p:xfrm>
         <a:graphic>
           <a:graphicData uri="http://schemas.openxmlformats.org/drawingml/2006/table">
             <a:tbl>
               <a:tblPr/>
               <a:tblGrid>
-                <a:gridCol w="605166">
+                <a:gridCol w="574451">
                   <a:extLst>
                     <a:ext uri="{9D8B030D-6E8A-4147-A177-3AD203B41FA5}">
                       <a16:colId xmlns:a16="http://schemas.microsoft.com/office/drawing/2014/main" val="4978392"/>
                     </a:ext>
                   </a:extLst>
                 </a:gridCol>
-                <a:gridCol w="4776776">
+                <a:gridCol w="4534336">
                   <a:extLst>
                     <a:ext uri="{9D8B030D-6E8A-4147-A177-3AD203B41FA5}">
                       <a16:colId xmlns:a16="http://schemas.microsoft.com/office/drawing/2014/main" val="4272452352"/>
@@ -11228,7 +11357,7 @@
                   </a:extLst>
                 </a:gridCol>
               </a:tblGrid>
-              <a:tr h="116999">
+              <a:tr h="249605">
                 <a:tc>
                   <a:txBody>
                     <a:bodyPr/>
@@ -11351,7 +11480,7 @@
                   </a:ext>
                 </a:extLst>
               </a:tr>
-              <a:tr h="116999">
+              <a:tr h="127118">
                 <a:tc>
                   <a:txBody>
                     <a:bodyPr/>
@@ -11474,7 +11603,7 @@
                   </a:ext>
                 </a:extLst>
               </a:tr>
-              <a:tr h="116999">
+              <a:tr h="127118">
                 <a:tc>
                   <a:txBody>
                     <a:bodyPr/>
@@ -11597,7 +11726,7 @@
                   </a:ext>
                 </a:extLst>
               </a:tr>
-              <a:tr h="116999">
+              <a:tr h="127118">
                 <a:tc>
                   <a:txBody>
                     <a:bodyPr/>
@@ -11720,7 +11849,7 @@
                   </a:ext>
                 </a:extLst>
               </a:tr>
-              <a:tr h="116999">
+              <a:tr h="127118">
                 <a:tc>
                   <a:txBody>
                     <a:bodyPr/>
@@ -11843,7 +11972,7 @@
                   </a:ext>
                 </a:extLst>
               </a:tr>
-              <a:tr h="116999">
+              <a:tr h="127118">
                 <a:tc>
                   <a:txBody>
                     <a:bodyPr/>
@@ -11966,7 +12095,7 @@
                   </a:ext>
                 </a:extLst>
               </a:tr>
-              <a:tr h="116999">
+              <a:tr h="127118">
                 <a:tc>
                   <a:txBody>
                     <a:bodyPr/>
@@ -12032,7 +12161,7 @@
                     <a:p>
                       <a:pPr algn="l" fontAlgn="b"/>
                       <a:r>
-                        <a:rPr lang="en-GB" sz="700" b="0" i="0" u="none" strike="noStrike">
+                        <a:rPr lang="en-GB" sz="700" b="0" i="0" u="none" strike="noStrike" dirty="0">
                           <a:solidFill>
                             <a:srgbClr val="000000"/>
                           </a:solidFill>
@@ -12089,7 +12218,7 @@
                   </a:ext>
                 </a:extLst>
               </a:tr>
-              <a:tr h="116999">
+              <a:tr h="127118">
                 <a:tc>
                   <a:txBody>
                     <a:bodyPr/>
@@ -12212,7 +12341,7 @@
                   </a:ext>
                 </a:extLst>
               </a:tr>
-              <a:tr h="116999">
+              <a:tr h="127118">
                 <a:tc>
                   <a:txBody>
                     <a:bodyPr/>
@@ -12335,7 +12464,7 @@
                   </a:ext>
                 </a:extLst>
               </a:tr>
-              <a:tr h="116999">
+              <a:tr h="127118">
                 <a:tc>
                   <a:txBody>
                     <a:bodyPr/>
@@ -12458,7 +12587,7 @@
                   </a:ext>
                 </a:extLst>
               </a:tr>
-              <a:tr h="116999">
+              <a:tr h="127118">
                 <a:tc>
                   <a:txBody>
                     <a:bodyPr/>
@@ -12581,7 +12710,7 @@
                   </a:ext>
                 </a:extLst>
               </a:tr>
-              <a:tr h="116999">
+              <a:tr h="127118">
                 <a:tc>
                   <a:txBody>
                     <a:bodyPr/>
@@ -12704,7 +12833,7 @@
                   </a:ext>
                 </a:extLst>
               </a:tr>
-              <a:tr h="116999">
+              <a:tr h="127118">
                 <a:tc>
                   <a:txBody>
                     <a:bodyPr/>
@@ -12827,7 +12956,7 @@
                   </a:ext>
                 </a:extLst>
               </a:tr>
-              <a:tr h="116999">
+              <a:tr h="127118">
                 <a:tc>
                   <a:txBody>
                     <a:bodyPr/>
@@ -12950,7 +13079,7 @@
                   </a:ext>
                 </a:extLst>
               </a:tr>
-              <a:tr h="116999">
+              <a:tr h="127118">
                 <a:tc>
                   <a:txBody>
                     <a:bodyPr/>
@@ -13073,7 +13202,7 @@
                   </a:ext>
                 </a:extLst>
               </a:tr>
-              <a:tr h="116999">
+              <a:tr h="127118">
                 <a:tc>
                   <a:txBody>
                     <a:bodyPr/>
@@ -13196,7 +13325,7 @@
                   </a:ext>
                 </a:extLst>
               </a:tr>
-              <a:tr h="116999">
+              <a:tr h="127118">
                 <a:tc>
                   <a:txBody>
                     <a:bodyPr/>
@@ -13319,7 +13448,7 @@
                   </a:ext>
                 </a:extLst>
               </a:tr>
-              <a:tr h="116999">
+              <a:tr h="127118">
                 <a:tc>
                   <a:txBody>
                     <a:bodyPr/>
@@ -13442,7 +13571,7 @@
                   </a:ext>
                 </a:extLst>
               </a:tr>
-              <a:tr h="116999">
+              <a:tr h="127118">
                 <a:tc>
                   <a:txBody>
                     <a:bodyPr/>
@@ -13565,7 +13694,7 @@
                   </a:ext>
                 </a:extLst>
               </a:tr>
-              <a:tr h="116999">
+              <a:tr h="127118">
                 <a:tc>
                   <a:txBody>
                     <a:bodyPr/>
@@ -13688,7 +13817,7 @@
                   </a:ext>
                 </a:extLst>
               </a:tr>
-              <a:tr h="116999">
+              <a:tr h="127118">
                 <a:tc>
                   <a:txBody>
                     <a:bodyPr/>
@@ -13811,7 +13940,7 @@
                   </a:ext>
                 </a:extLst>
               </a:tr>
-              <a:tr h="116999">
+              <a:tr h="127118">
                 <a:tc>
                   <a:txBody>
                     <a:bodyPr/>
@@ -13934,7 +14063,7 @@
                   </a:ext>
                 </a:extLst>
               </a:tr>
-              <a:tr h="116999">
+              <a:tr h="127118">
                 <a:tc>
                   <a:txBody>
                     <a:bodyPr/>
@@ -14057,7 +14186,7 @@
                   </a:ext>
                 </a:extLst>
               </a:tr>
-              <a:tr h="116999">
+              <a:tr h="127118">
                 <a:tc>
                   <a:txBody>
                     <a:bodyPr/>
@@ -14180,7 +14309,7 @@
                   </a:ext>
                 </a:extLst>
               </a:tr>
-              <a:tr h="116999">
+              <a:tr h="127118">
                 <a:tc>
                   <a:txBody>
                     <a:bodyPr/>
@@ -14303,7 +14432,7 @@
                   </a:ext>
                 </a:extLst>
               </a:tr>
-              <a:tr h="116999">
+              <a:tr h="127118">
                 <a:tc>
                   <a:txBody>
                     <a:bodyPr/>
@@ -14426,7 +14555,7 @@
                   </a:ext>
                 </a:extLst>
               </a:tr>
-              <a:tr h="116999">
+              <a:tr h="127118">
                 <a:tc>
                   <a:txBody>
                     <a:bodyPr/>
@@ -14549,7 +14678,7 @@
                   </a:ext>
                 </a:extLst>
               </a:tr>
-              <a:tr h="116999">
+              <a:tr h="127118">
                 <a:tc>
                   <a:txBody>
                     <a:bodyPr/>
@@ -14672,7 +14801,7 @@
                   </a:ext>
                 </a:extLst>
               </a:tr>
-              <a:tr h="116999">
+              <a:tr h="127118">
                 <a:tc>
                   <a:txBody>
                     <a:bodyPr/>
@@ -14795,7 +14924,7 @@
                   </a:ext>
                 </a:extLst>
               </a:tr>
-              <a:tr h="116999">
+              <a:tr h="127118">
                 <a:tc>
                   <a:txBody>
                     <a:bodyPr/>
@@ -14918,7 +15047,7 @@
                   </a:ext>
                 </a:extLst>
               </a:tr>
-              <a:tr h="116999">
+              <a:tr h="127118">
                 <a:tc>
                   <a:txBody>
                     <a:bodyPr/>
@@ -15041,7 +15170,7 @@
                   </a:ext>
                 </a:extLst>
               </a:tr>
-              <a:tr h="116999">
+              <a:tr h="127118">
                 <a:tc>
                   <a:txBody>
                     <a:bodyPr/>
@@ -15164,7 +15293,7 @@
                   </a:ext>
                 </a:extLst>
               </a:tr>
-              <a:tr h="116999">
+              <a:tr h="127118">
                 <a:tc>
                   <a:txBody>
                     <a:bodyPr/>
@@ -15287,7 +15416,7 @@
                   </a:ext>
                 </a:extLst>
               </a:tr>
-              <a:tr h="116999">
+              <a:tr h="127118">
                 <a:tc>
                   <a:txBody>
                     <a:bodyPr/>
@@ -15410,7 +15539,7 @@
                   </a:ext>
                 </a:extLst>
               </a:tr>
-              <a:tr h="116999">
+              <a:tr h="127118">
                 <a:tc>
                   <a:txBody>
                     <a:bodyPr/>
@@ -15533,7 +15662,7 @@
                   </a:ext>
                 </a:extLst>
               </a:tr>
-              <a:tr h="116999">
+              <a:tr h="127118">
                 <a:tc>
                   <a:txBody>
                     <a:bodyPr/>
@@ -15656,7 +15785,7 @@
                   </a:ext>
                 </a:extLst>
               </a:tr>
-              <a:tr h="116999">
+              <a:tr h="127118">
                 <a:tc>
                   <a:txBody>
                     <a:bodyPr/>
@@ -15779,7 +15908,7 @@
                   </a:ext>
                 </a:extLst>
               </a:tr>
-              <a:tr h="116999">
+              <a:tr h="249605">
                 <a:tc>
                   <a:txBody>
                     <a:bodyPr/>
@@ -15902,7 +16031,7 @@
                   </a:ext>
                 </a:extLst>
               </a:tr>
-              <a:tr h="116999">
+              <a:tr h="127118">
                 <a:tc>
                   <a:txBody>
                     <a:bodyPr/>
@@ -15968,7 +16097,7 @@
                     <a:p>
                       <a:pPr algn="l" fontAlgn="b"/>
                       <a:r>
-                        <a:rPr lang="en-GB" sz="700" b="0" i="0" u="none" strike="noStrike">
+                        <a:rPr lang="en-GB" sz="700" b="0" i="0" u="none" strike="noStrike" dirty="0">
                           <a:solidFill>
                             <a:srgbClr val="000000"/>
                           </a:solidFill>
@@ -16025,7 +16154,7 @@
                   </a:ext>
                 </a:extLst>
               </a:tr>
-              <a:tr h="116999">
+              <a:tr h="127118">
                 <a:tc>
                   <a:txBody>
                     <a:bodyPr/>
@@ -16152,6 +16281,77 @@
           </a:graphicData>
         </a:graphic>
       </p:graphicFrame>
+      <p:sp>
+        <p:nvSpPr>
+          <p:cNvPr id="7" name="TextBox 6">
+            <a:extLst>
+              <a:ext uri="{FF2B5EF4-FFF2-40B4-BE49-F238E27FC236}">
+                <a16:creationId xmlns:a16="http://schemas.microsoft.com/office/drawing/2014/main" id="{A7479111-7BB0-B656-5C25-AE65B7822C41}"/>
+              </a:ext>
+            </a:extLst>
+          </p:cNvPr>
+          <p:cNvSpPr txBox="1"/>
+          <p:nvPr/>
+        </p:nvSpPr>
+        <p:spPr>
+          <a:xfrm>
+            <a:off x="6001174" y="1606185"/>
+            <a:ext cx="3928533" cy="1815882"/>
+          </a:xfrm>
+          <a:prstGeom prst="rect">
+            <a:avLst/>
+          </a:prstGeom>
+          <a:noFill/>
+        </p:spPr>
+        <p:txBody>
+          <a:bodyPr wrap="square">
+            <a:spAutoFit/>
+          </a:bodyPr>
+          <a:lstStyle/>
+          <a:p>
+            <a:r>
+              <a:rPr lang="en-GB" sz="1400" dirty="0"/>
+              <a:t>The ICQ-P also assesses three negative</a:t>
+            </a:r>
+          </a:p>
+          <a:p>
+            <a:r>
+              <a:rPr lang="en-GB" sz="1400" dirty="0"/>
+              <a:t>reinforcement functions: (a) demand (escape from or avoidance of the demands of work, school, or other responsibilities), (b) social escape/avoidance (i.e., escape from or avoidance of social conflict or awkwardness), and (c) cognitive escape/avoidance (i.e., escape from or avoidance of one’s own thoughts or feelings).</a:t>
+            </a:r>
+          </a:p>
+        </p:txBody>
+      </p:sp>
+      <p:pic>
+        <p:nvPicPr>
+          <p:cNvPr id="9" name="Picture 8">
+            <a:extLst>
+              <a:ext uri="{FF2B5EF4-FFF2-40B4-BE49-F238E27FC236}">
+                <a16:creationId xmlns:a16="http://schemas.microsoft.com/office/drawing/2014/main" id="{61DE5FE1-4FB0-86DB-B5B8-71A525C5B6EF}"/>
+              </a:ext>
+            </a:extLst>
+          </p:cNvPr>
+          <p:cNvPicPr>
+            <a:picLocks noChangeAspect="1"/>
+          </p:cNvPicPr>
+          <p:nvPr/>
+        </p:nvPicPr>
+        <p:blipFill>
+          <a:blip r:embed="rId2"/>
+          <a:stretch>
+            <a:fillRect/>
+          </a:stretch>
+        </p:blipFill>
+        <p:spPr>
+          <a:xfrm>
+            <a:off x="5831841" y="3658885"/>
+            <a:ext cx="3999811" cy="647440"/>
+          </a:xfrm>
+          <a:prstGeom prst="rect">
+            <a:avLst/>
+          </a:prstGeom>
+        </p:spPr>
+      </p:pic>
     </p:spTree>
     <p:extLst>
       <p:ext uri="{BB962C8B-B14F-4D97-AF65-F5344CB8AC3E}">
@@ -16216,7 +16416,7 @@
                   <a:schemeClr val="tx1"/>
                 </a:solidFill>
               </a:rPr>
-              <a:t>YDQ* : </a:t>
+              <a:t>YDQ : </a:t>
             </a:r>
             <a:r>
               <a:rPr lang="en-IE" sz="3200" dirty="0">
@@ -17849,43 +18049,6 @@
       </p:sp>
       <p:sp>
         <p:nvSpPr>
-          <p:cNvPr id="3" name="Text Placeholder 2">
-            <a:extLst>
-              <a:ext uri="{FF2B5EF4-FFF2-40B4-BE49-F238E27FC236}">
-                <a16:creationId xmlns:a16="http://schemas.microsoft.com/office/drawing/2014/main" id="{7CA42D59-EAD6-4F95-84F1-32A30F057856}"/>
-              </a:ext>
-            </a:extLst>
-          </p:cNvPr>
-          <p:cNvSpPr>
-            <a:spLocks noGrp="1"/>
-          </p:cNvSpPr>
-          <p:nvPr>
-            <p:ph type="body" sz="quarter" idx="32"/>
-          </p:nvPr>
-        </p:nvSpPr>
-        <p:spPr/>
-        <p:txBody>
-          <a:bodyPr rtlCol="0"/>
-          <a:lstStyle/>
-          <a:p>
-            <a:r>
-              <a:rPr lang="en-GB" dirty="0"/>
-              <a:t>Correlation between IU_W2R and </a:t>
-            </a:r>
-            <a:r>
-              <a:rPr lang="en-GB" dirty="0" err="1"/>
-              <a:t>YDQ_bin</a:t>
-            </a:r>
-            <a:endParaRPr lang="en-GB" dirty="0"/>
-          </a:p>
-          <a:p>
-            <a:pPr rtl="0"/>
-            <a:endParaRPr lang="en-GB" dirty="0"/>
-          </a:p>
-        </p:txBody>
-      </p:sp>
-      <p:sp>
-        <p:nvSpPr>
           <p:cNvPr id="4" name="Text Placeholder 3">
             <a:extLst>
               <a:ext uri="{FF2B5EF4-FFF2-40B4-BE49-F238E27FC236}">
@@ -18044,7 +18207,7 @@
             <a:pPr rtl="0"/>
             <a:r>
               <a:rPr lang="en-GB" dirty="0"/>
-              <a:t>30% of the respondents wanting to reduce internet usage are problematic internet users based on the Young Diagnostic Questionnaire</a:t>
+              <a:t>The Chi-square test of independence is a statistical hypothesis test used to determine whether two categorical or nominal variables are likely to be related or not.</a:t>
             </a:r>
           </a:p>
           <a:p>
@@ -18074,7 +18237,7 @@
             <a:pPr rtl="0"/>
             <a:r>
               <a:rPr lang="en-GB" dirty="0"/>
-              <a:t>In support of Hypothesis 1, wanting to reduce internet use was linked to problematic internet habits. Those scoring ≥5 on the YDQ were more likely to express this desire compared to those with lower scores.</a:t>
+              <a:t>Conclusion: In support of Hypothesis, wanting to reduce internet use was linked to problematic internet habits. Those scoring ≥5 on the YDQ were more likely to express this desire compared to those with lower scores.</a:t>
             </a:r>
           </a:p>
           <a:p>
@@ -19249,24 +19412,6 @@
 </file>
 
 <file path=customXml/item1.xml><?xml version="1.0" encoding="utf-8"?>
-<?mso-contentType ?>
-<FormTemplates xmlns="http://schemas.microsoft.com/sharepoint/v3/contenttype/forms">
-  <Display>DocumentLibraryForm</Display>
-  <Edit>DocumentLibraryForm</Edit>
-  <New>DocumentLibraryForm</New>
-</FormTemplates>
-</file>
-
-<file path=customXml/item2.xml><?xml version="1.0" encoding="utf-8"?>
-<p:properties xmlns:p="http://schemas.microsoft.com/office/2006/metadata/properties" xmlns:xsi="http://www.w3.org/2001/XMLSchema-instance" xmlns:pc="http://schemas.microsoft.com/office/infopath/2007/PartnerControls">
-  <documentManagement>
-    <_ip_UnifiedCompliancePolicyUIAction xmlns="http://schemas.microsoft.com/sharepoint/v3" xsi:nil="true"/>
-    <_ip_UnifiedCompliancePolicyProperties xmlns="http://schemas.microsoft.com/sharepoint/v3" xsi:nil="true"/>
-  </documentManagement>
-</p:properties>
-</file>
-
-<file path=customXml/item3.xml><?xml version="1.0" encoding="utf-8"?>
 <ct:contentTypeSchema xmlns:ct="http://schemas.microsoft.com/office/2006/metadata/contentType" xmlns:ma="http://schemas.microsoft.com/office/2006/metadata/properties/metaAttributes" ct:_="" ma:_="" ma:contentTypeName="Document" ma:contentTypeID="0x010100DEEA25CC0A0AC24199CDC46C25B8B0BC" ma:contentTypeVersion="10" ma:contentTypeDescription="Create a new document." ma:contentTypeScope="" ma:versionID="e3b47856d4cf355c0dacb39e1084d14f">
   <xsd:schema xmlns:xsd="http://www.w3.org/2001/XMLSchema" xmlns:xs="http://www.w3.org/2001/XMLSchema" xmlns:p="http://schemas.microsoft.com/office/2006/metadata/properties" xmlns:ns1="http://schemas.microsoft.com/sharepoint/v3" xmlns:ns2="6dc4bcd6-49db-4c07-9060-8acfc67cef9f" xmlns:ns3="fb0879af-3eba-417a-a55a-ffe6dcd6ca77" targetNamespace="http://schemas.microsoft.com/office/2006/metadata/properties" ma:root="true" ma:fieldsID="a845a615265fdb1f7b12cc65ac20ecbd" ns1:_="" ns2:_="" ns3:_="">
     <xsd:import namespace="http://schemas.microsoft.com/sharepoint/v3"/>
@@ -19474,25 +19619,25 @@
 </ct:contentTypeSchema>
 </file>
 
-<file path=customXml/itemProps1.xml><?xml version="1.0" encoding="utf-8"?>
-<ds:datastoreItem xmlns:ds="http://schemas.openxmlformats.org/officeDocument/2006/customXml" ds:itemID="{F6CB1848-D3E0-4F10-B640-720BE758B85B}">
-  <ds:schemaRefs>
-    <ds:schemaRef ds:uri="http://schemas.microsoft.com/sharepoint/v3/contenttype/forms"/>
-  </ds:schemaRefs>
-</ds:datastoreItem>
+<file path=customXml/item2.xml><?xml version="1.0" encoding="utf-8"?>
+<p:properties xmlns:p="http://schemas.microsoft.com/office/2006/metadata/properties" xmlns:xsi="http://www.w3.org/2001/XMLSchema-instance" xmlns:pc="http://schemas.microsoft.com/office/infopath/2007/PartnerControls">
+  <documentManagement>
+    <_ip_UnifiedCompliancePolicyUIAction xmlns="http://schemas.microsoft.com/sharepoint/v3" xsi:nil="true"/>
+    <_ip_UnifiedCompliancePolicyProperties xmlns="http://schemas.microsoft.com/sharepoint/v3" xsi:nil="true"/>
+  </documentManagement>
+</p:properties>
 </file>
 
-<file path=customXml/itemProps2.xml><?xml version="1.0" encoding="utf-8"?>
-<ds:datastoreItem xmlns:ds="http://schemas.openxmlformats.org/officeDocument/2006/customXml" ds:itemID="{E4934E25-8442-49E9-ABDF-3146C4145F3B}">
-  <ds:schemaRefs>
-    <ds:schemaRef ds:uri="http://schemas.microsoft.com/office/2006/metadata/properties"/>
-    <ds:schemaRef ds:uri="http://schemas.microsoft.com/office/infopath/2007/PartnerControls"/>
-    <ds:schemaRef ds:uri="http://schemas.microsoft.com/sharepoint/v3"/>
-  </ds:schemaRefs>
-</ds:datastoreItem>
+<file path=customXml/item3.xml><?xml version="1.0" encoding="utf-8"?>
+<?mso-contentType ?>
+<FormTemplates xmlns="http://schemas.microsoft.com/sharepoint/v3/contenttype/forms">
+  <Display>DocumentLibraryForm</Display>
+  <Edit>DocumentLibraryForm</Edit>
+  <New>DocumentLibraryForm</New>
+</FormTemplates>
 </file>
 
-<file path=customXml/itemProps3.xml><?xml version="1.0" encoding="utf-8"?>
+<file path=customXml/itemProps1.xml><?xml version="1.0" encoding="utf-8"?>
 <ds:datastoreItem xmlns:ds="http://schemas.openxmlformats.org/officeDocument/2006/customXml" ds:itemID="{1BBB5711-29E1-4F8E-81A0-7947C57B208A}">
   <ds:schemaRefs>
     <ds:schemaRef ds:uri="http://schemas.microsoft.com/office/2006/metadata/contentType"/>
@@ -19512,6 +19657,24 @@
 </ds:datastoreItem>
 </file>
 
+<file path=customXml/itemProps2.xml><?xml version="1.0" encoding="utf-8"?>
+<ds:datastoreItem xmlns:ds="http://schemas.openxmlformats.org/officeDocument/2006/customXml" ds:itemID="{E4934E25-8442-49E9-ABDF-3146C4145F3B}">
+  <ds:schemaRefs>
+    <ds:schemaRef ds:uri="http://schemas.microsoft.com/office/2006/metadata/properties"/>
+    <ds:schemaRef ds:uri="http://schemas.microsoft.com/office/infopath/2007/PartnerControls"/>
+    <ds:schemaRef ds:uri="http://schemas.microsoft.com/sharepoint/v3"/>
+  </ds:schemaRefs>
+</ds:datastoreItem>
+</file>
+
+<file path=customXml/itemProps3.xml><?xml version="1.0" encoding="utf-8"?>
+<ds:datastoreItem xmlns:ds="http://schemas.openxmlformats.org/officeDocument/2006/customXml" ds:itemID="{F6CB1848-D3E0-4F10-B640-720BE758B85B}">
+  <ds:schemaRefs>
+    <ds:schemaRef ds:uri="http://schemas.microsoft.com/sharepoint/v3/contenttype/forms"/>
+  </ds:schemaRefs>
+</ds:datastoreItem>
+</file>
+
 <file path=docMetadata/LabelInfo.xml><?xml version="1.0" encoding="utf-8"?>
 <clbl:labelList xmlns:clbl="http://schemas.microsoft.com/office/2020/mipLabelMetadata">
   <clbl:label id="{f42aa342-8706-4288-bd11-ebb85995028c}" enabled="1" method="Standard" siteId="{72f988bf-86f1-41af-91ab-2d7cd011db47}" contentBits="0" removed="0"/>
